--- a/powerpoint.pptx
+++ b/powerpoint.pptx
@@ -315,7 +315,7 @@
             <a:fld id="{B61BEF0D-F0BB-DE4B-95CE-6DB70DBA9567}" type="datetimeFigureOut">
               <a:rPr lang="en-US" dirty="0"/>
               <a:pPr/>
-              <a:t>8/29/2018</a:t>
+              <a:t>8/30/2018</a:t>
             </a:fld>
             <a:endParaRPr lang="en-US" dirty="0"/>
           </a:p>
@@ -650,7 +650,7 @@
             <a:fld id="{B61BEF0D-F0BB-DE4B-95CE-6DB70DBA9567}" type="datetimeFigureOut">
               <a:rPr lang="en-US" dirty="0"/>
               <a:pPr/>
-              <a:t>8/29/2018</a:t>
+              <a:t>8/30/2018</a:t>
             </a:fld>
             <a:endParaRPr lang="en-US" dirty="0"/>
           </a:p>
@@ -1048,7 +1048,7 @@
             <a:fld id="{B61BEF0D-F0BB-DE4B-95CE-6DB70DBA9567}" type="datetimeFigureOut">
               <a:rPr lang="en-US" dirty="0"/>
               <a:pPr/>
-              <a:t>8/29/2018</a:t>
+              <a:t>8/30/2018</a:t>
             </a:fld>
             <a:endParaRPr lang="en-US" dirty="0"/>
           </a:p>
@@ -1381,7 +1381,7 @@
             <a:fld id="{B61BEF0D-F0BB-DE4B-95CE-6DB70DBA9567}" type="datetimeFigureOut">
               <a:rPr lang="en-US" dirty="0"/>
               <a:pPr/>
-              <a:t>8/29/2018</a:t>
+              <a:t>8/30/2018</a:t>
             </a:fld>
             <a:endParaRPr lang="en-US" dirty="0"/>
           </a:p>
@@ -1698,7 +1698,7 @@
             <a:fld id="{B61BEF0D-F0BB-DE4B-95CE-6DB70DBA9567}" type="datetimeFigureOut">
               <a:rPr lang="en-US" dirty="0"/>
               <a:pPr/>
-              <a:t>8/29/2018</a:t>
+              <a:t>8/30/2018</a:t>
             </a:fld>
             <a:endParaRPr lang="en-US" dirty="0"/>
           </a:p>
@@ -2091,7 +2091,7 @@
             <a:fld id="{B61BEF0D-F0BB-DE4B-95CE-6DB70DBA9567}" type="datetimeFigureOut">
               <a:rPr lang="en-US" dirty="0"/>
               <a:pPr/>
-              <a:t>8/29/2018</a:t>
+              <a:t>8/30/2018</a:t>
             </a:fld>
             <a:endParaRPr lang="en-US" dirty="0"/>
           </a:p>
@@ -2345,7 +2345,7 @@
             <a:fld id="{B61BEF0D-F0BB-DE4B-95CE-6DB70DBA9567}" type="datetimeFigureOut">
               <a:rPr lang="en-US" dirty="0"/>
               <a:pPr/>
-              <a:t>8/29/2018</a:t>
+              <a:t>8/30/2018</a:t>
             </a:fld>
             <a:endParaRPr lang="en-US" dirty="0"/>
           </a:p>
@@ -2604,7 +2604,7 @@
             <a:fld id="{B61BEF0D-F0BB-DE4B-95CE-6DB70DBA9567}" type="datetimeFigureOut">
               <a:rPr lang="en-US" dirty="0"/>
               <a:pPr/>
-              <a:t>8/29/2018</a:t>
+              <a:t>8/30/2018</a:t>
             </a:fld>
             <a:endParaRPr lang="en-US" dirty="0"/>
           </a:p>
@@ -2863,7 +2863,7 @@
             <a:fld id="{B61BEF0D-F0BB-DE4B-95CE-6DB70DBA9567}" type="datetimeFigureOut">
               <a:rPr lang="en-US" dirty="0"/>
               <a:pPr/>
-              <a:t>8/29/2018</a:t>
+              <a:t>8/30/2018</a:t>
             </a:fld>
             <a:endParaRPr lang="en-US" dirty="0"/>
           </a:p>
@@ -3189,7 +3189,7 @@
             <a:fld id="{B61BEF0D-F0BB-DE4B-95CE-6DB70DBA9567}" type="datetimeFigureOut">
               <a:rPr lang="en-US" dirty="0"/>
               <a:pPr/>
-              <a:t>8/29/2018</a:t>
+              <a:t>8/30/2018</a:t>
             </a:fld>
             <a:endParaRPr lang="en-US" dirty="0"/>
           </a:p>
@@ -3509,7 +3509,7 @@
             <a:fld id="{B61BEF0D-F0BB-DE4B-95CE-6DB70DBA9567}" type="datetimeFigureOut">
               <a:rPr lang="en-US" dirty="0"/>
               <a:pPr/>
-              <a:t>8/29/2018</a:t>
+              <a:t>8/30/2018</a:t>
             </a:fld>
             <a:endParaRPr lang="en-US" dirty="0"/>
           </a:p>
@@ -3963,7 +3963,7 @@
             <a:fld id="{B61BEF0D-F0BB-DE4B-95CE-6DB70DBA9567}" type="datetimeFigureOut">
               <a:rPr lang="en-US" dirty="0"/>
               <a:pPr/>
-              <a:t>8/29/2018</a:t>
+              <a:t>8/30/2018</a:t>
             </a:fld>
             <a:endParaRPr lang="en-US" dirty="0"/>
           </a:p>
@@ -4165,7 +4165,7 @@
             <a:fld id="{B61BEF0D-F0BB-DE4B-95CE-6DB70DBA9567}" type="datetimeFigureOut">
               <a:rPr lang="en-US" dirty="0"/>
               <a:pPr/>
-              <a:t>8/29/2018</a:t>
+              <a:t>8/30/2018</a:t>
             </a:fld>
             <a:endParaRPr lang="en-US" dirty="0"/>
           </a:p>
@@ -4339,7 +4339,7 @@
             <a:fld id="{B61BEF0D-F0BB-DE4B-95CE-6DB70DBA9567}" type="datetimeFigureOut">
               <a:rPr lang="en-US" dirty="0"/>
               <a:pPr/>
-              <a:t>8/29/2018</a:t>
+              <a:t>8/30/2018</a:t>
             </a:fld>
             <a:endParaRPr lang="en-US" dirty="0"/>
           </a:p>
@@ -4669,7 +4669,7 @@
             <a:fld id="{B61BEF0D-F0BB-DE4B-95CE-6DB70DBA9567}" type="datetimeFigureOut">
               <a:rPr lang="en-US" dirty="0"/>
               <a:pPr/>
-              <a:t>8/29/2018</a:t>
+              <a:t>8/30/2018</a:t>
             </a:fld>
             <a:endParaRPr lang="en-US" dirty="0"/>
           </a:p>
@@ -5011,7 +5011,7 @@
             <a:fld id="{B61BEF0D-F0BB-DE4B-95CE-6DB70DBA9567}" type="datetimeFigureOut">
               <a:rPr lang="en-US" dirty="0"/>
               <a:pPr/>
-              <a:t>8/29/2018</a:t>
+              <a:t>8/30/2018</a:t>
             </a:fld>
             <a:endParaRPr lang="en-US" dirty="0"/>
           </a:p>
@@ -7125,7 +7125,7 @@
             <a:fld id="{B61BEF0D-F0BB-DE4B-95CE-6DB70DBA9567}" type="datetimeFigureOut">
               <a:rPr lang="en-US" dirty="0"/>
               <a:pPr/>
-              <a:t>8/29/2018</a:t>
+              <a:t>8/30/2018</a:t>
             </a:fld>
             <a:endParaRPr lang="en-US" dirty="0"/>
           </a:p>
@@ -8140,14 +8140,88 @@
             <p:ph idx="1"/>
           </p:nvPr>
         </p:nvSpPr>
-        <p:spPr/>
-        <p:txBody>
-          <a:bodyPr/>
+        <p:spPr>
+          <a:xfrm>
+            <a:off x="2460978" y="2133599"/>
+            <a:ext cx="9043634" cy="4459111"/>
+          </a:xfrm>
+        </p:spPr>
+        <p:txBody>
+          <a:bodyPr>
+            <a:normAutofit lnSpcReduction="10000"/>
+          </a:bodyPr>
           <a:lstStyle/>
           <a:p>
-            <a:pPr marL="0" indent="0">
-              <a:buNone/>
-            </a:pPr>
+            <a:r>
+              <a:rPr lang="en-US" dirty="0"/>
+              <a:t>This system provides users to search easily CU(</a:t>
+            </a:r>
+            <a:r>
+              <a:rPr lang="en-US" dirty="0" err="1"/>
+              <a:t>Mdy</a:t>
+            </a:r>
+            <a:r>
+              <a:rPr lang="en-US" dirty="0"/>
+              <a:t>) theses from 2008-2016 with abstract.</a:t>
+            </a:r>
+          </a:p>
+          <a:p>
+            <a:r>
+              <a:rPr lang="en-US" dirty="0"/>
+              <a:t>Our project has a weakness. It don’t show full data of all thesis because our data are collected from CU (</a:t>
+            </a:r>
+            <a:r>
+              <a:rPr lang="en-US" dirty="0" err="1"/>
+              <a:t>Mdy</a:t>
+            </a:r>
+            <a:r>
+              <a:rPr lang="en-US" dirty="0"/>
+              <a:t>) library and there is no soft copy of theses.</a:t>
+            </a:r>
+          </a:p>
+          <a:p>
+            <a:r>
+              <a:rPr lang="en-US" dirty="0"/>
+              <a:t>But we make our ETD system to find global theses and dissertations for more reference.</a:t>
+            </a:r>
+          </a:p>
+          <a:p>
+            <a:r>
+              <a:rPr lang="en-US" dirty="0"/>
+              <a:t>Users can search 5,111,718 electronic theses and dissertation at Global ETD site where can find any field  that you want.</a:t>
+            </a:r>
+          </a:p>
+          <a:p>
+            <a:r>
+              <a:rPr lang="en-US" dirty="0"/>
+              <a:t>At admin panel, admin can create, retrieve , update and delete data from firebase database.</a:t>
+            </a:r>
+          </a:p>
+          <a:p>
+            <a:r>
+              <a:rPr lang="en-US" dirty="0"/>
+              <a:t>And also do permissions  for login users.</a:t>
+            </a:r>
+          </a:p>
+          <a:p>
+            <a:r>
+              <a:rPr lang="en-US" dirty="0"/>
+              <a:t>For our project future plan , we aim to do more useful site for our  university.</a:t>
+            </a:r>
+          </a:p>
+          <a:p>
+            <a:r>
+              <a:rPr lang="en-US" dirty="0"/>
+              <a:t>We want to make from ETD mini project to CU(</a:t>
+            </a:r>
+            <a:r>
+              <a:rPr lang="en-US" dirty="0" err="1"/>
+              <a:t>Mdy</a:t>
+            </a:r>
+            <a:r>
+              <a:rPr lang="en-US" dirty="0"/>
+              <a:t>) e-Library.</a:t>
+            </a:r>
             <a:endParaRPr lang="en-US" dirty="0" smtClean="0"/>
           </a:p>
         </p:txBody>
@@ -8957,11 +9031,7 @@
             </a:r>
             <a:r>
               <a:rPr lang="en-US" dirty="0" smtClean="0"/>
-              <a:t>two</a:t>
-            </a:r>
-            <a:r>
-              <a:rPr lang="en-US" dirty="0" smtClean="0"/>
-              <a:t> </a:t>
+              <a:t>two </a:t>
             </a:r>
             <a:r>
               <a:rPr lang="en-US" dirty="0" err="1" smtClean="0"/>
